--- a/schematic/Presentation.pptx
+++ b/schematic/Presentation.pptx
@@ -5,7 +5,15 @@
     <p:sldMasterId id="2147483648" r:id="rId1"/>
   </p:sldMasterIdLst>
   <p:sldIdLst>
-    <p:sldId id="256" r:id="rId2"/>
+    <p:sldId id="262" r:id="rId2"/>
+    <p:sldId id="261" r:id="rId3"/>
+    <p:sldId id="256" r:id="rId4"/>
+    <p:sldId id="258" r:id="rId5"/>
+    <p:sldId id="259" r:id="rId6"/>
+    <p:sldId id="257" r:id="rId7"/>
+    <p:sldId id="263" r:id="rId8"/>
+    <p:sldId id="260" r:id="rId9"/>
+    <p:sldId id="264" r:id="rId10"/>
   </p:sldIdLst>
   <p:sldSz cx="12192000" cy="6858000"/>
   <p:notesSz cx="6858000" cy="9144000"/>
@@ -104,7 +112,24 @@
       </a:defRPr>
     </a:lvl9pPr>
   </p:defaultTextStyle>
+  <p:extLst>
+    <p:ext uri="{EFAFB233-063F-42B5-8137-9DF3F51BA10A}">
+      <p15:sldGuideLst xmlns:p15="http://schemas.microsoft.com/office/powerpoint/2012/main"/>
+    </p:ext>
+  </p:extLst>
 </p:presentation>
+</file>
+
+<file path=ppt/commentAuthors.xml><?xml version="1.0" encoding="utf-8"?>
+<p:cmAuthorLst xmlns:a="http://schemas.openxmlformats.org/drawingml/2006/main" xmlns:r="http://schemas.openxmlformats.org/officeDocument/2006/relationships" xmlns:p="http://schemas.openxmlformats.org/presentationml/2006/main">
+  <p:cmAuthor id="1" name="Davide Lionetti" initials="DL" lastIdx="1" clrIdx="0">
+    <p:extLst>
+      <p:ext uri="{19B8F6BF-5375-455C-9EA6-DF929625EA0E}">
+        <p15:presenceInfo xmlns:p15="http://schemas.microsoft.com/office/powerpoint/2012/main" userId="Davide Lionetti" providerId="None"/>
+      </p:ext>
+    </p:extLst>
+  </p:cmAuthor>
+</p:cmAuthorLst>
 </file>
 
 <file path=ppt/slideLayouts/slideLayout1.xml><?xml version="1.0" encoding="utf-8"?>
@@ -256,7 +281,7 @@
           <a:p>
             <a:fld id="{C40C8D78-3EBB-40F3-B4F6-6889300BDA29}" type="datetimeFigureOut">
               <a:rPr lang="en-GB" smtClean="0"/>
-              <a:t>23/06/2022</a:t>
+              <a:t>02/07/2022</a:t>
             </a:fld>
             <a:endParaRPr lang="en-GB"/>
           </a:p>
@@ -456,7 +481,7 @@
           <a:p>
             <a:fld id="{C40C8D78-3EBB-40F3-B4F6-6889300BDA29}" type="datetimeFigureOut">
               <a:rPr lang="en-GB" smtClean="0"/>
-              <a:t>23/06/2022</a:t>
+              <a:t>02/07/2022</a:t>
             </a:fld>
             <a:endParaRPr lang="en-GB"/>
           </a:p>
@@ -666,7 +691,7 @@
           <a:p>
             <a:fld id="{C40C8D78-3EBB-40F3-B4F6-6889300BDA29}" type="datetimeFigureOut">
               <a:rPr lang="en-GB" smtClean="0"/>
-              <a:t>23/06/2022</a:t>
+              <a:t>02/07/2022</a:t>
             </a:fld>
             <a:endParaRPr lang="en-GB"/>
           </a:p>
@@ -866,7 +891,7 @@
           <a:p>
             <a:fld id="{C40C8D78-3EBB-40F3-B4F6-6889300BDA29}" type="datetimeFigureOut">
               <a:rPr lang="en-GB" smtClean="0"/>
-              <a:t>23/06/2022</a:t>
+              <a:t>02/07/2022</a:t>
             </a:fld>
             <a:endParaRPr lang="en-GB"/>
           </a:p>
@@ -1142,7 +1167,7 @@
           <a:p>
             <a:fld id="{C40C8D78-3EBB-40F3-B4F6-6889300BDA29}" type="datetimeFigureOut">
               <a:rPr lang="en-GB" smtClean="0"/>
-              <a:t>23/06/2022</a:t>
+              <a:t>02/07/2022</a:t>
             </a:fld>
             <a:endParaRPr lang="en-GB"/>
           </a:p>
@@ -1410,7 +1435,7 @@
           <a:p>
             <a:fld id="{C40C8D78-3EBB-40F3-B4F6-6889300BDA29}" type="datetimeFigureOut">
               <a:rPr lang="en-GB" smtClean="0"/>
-              <a:t>23/06/2022</a:t>
+              <a:t>02/07/2022</a:t>
             </a:fld>
             <a:endParaRPr lang="en-GB"/>
           </a:p>
@@ -1825,7 +1850,7 @@
           <a:p>
             <a:fld id="{C40C8D78-3EBB-40F3-B4F6-6889300BDA29}" type="datetimeFigureOut">
               <a:rPr lang="en-GB" smtClean="0"/>
-              <a:t>23/06/2022</a:t>
+              <a:t>02/07/2022</a:t>
             </a:fld>
             <a:endParaRPr lang="en-GB"/>
           </a:p>
@@ -1967,7 +1992,7 @@
           <a:p>
             <a:fld id="{C40C8D78-3EBB-40F3-B4F6-6889300BDA29}" type="datetimeFigureOut">
               <a:rPr lang="en-GB" smtClean="0"/>
-              <a:t>23/06/2022</a:t>
+              <a:t>02/07/2022</a:t>
             </a:fld>
             <a:endParaRPr lang="en-GB"/>
           </a:p>
@@ -2080,7 +2105,7 @@
           <a:p>
             <a:fld id="{C40C8D78-3EBB-40F3-B4F6-6889300BDA29}" type="datetimeFigureOut">
               <a:rPr lang="en-GB" smtClean="0"/>
-              <a:t>23/06/2022</a:t>
+              <a:t>02/07/2022</a:t>
             </a:fld>
             <a:endParaRPr lang="en-GB"/>
           </a:p>
@@ -2393,7 +2418,7 @@
           <a:p>
             <a:fld id="{C40C8D78-3EBB-40F3-B4F6-6889300BDA29}" type="datetimeFigureOut">
               <a:rPr lang="en-GB" smtClean="0"/>
-              <a:t>23/06/2022</a:t>
+              <a:t>02/07/2022</a:t>
             </a:fld>
             <a:endParaRPr lang="en-GB"/>
           </a:p>
@@ -2682,7 +2707,7 @@
           <a:p>
             <a:fld id="{C40C8D78-3EBB-40F3-B4F6-6889300BDA29}" type="datetimeFigureOut">
               <a:rPr lang="en-GB" smtClean="0"/>
-              <a:t>23/06/2022</a:t>
+              <a:t>02/07/2022</a:t>
             </a:fld>
             <a:endParaRPr lang="en-GB"/>
           </a:p>
@@ -2759,8 +2784,8 @@
 <p:sldMaster xmlns:a="http://schemas.openxmlformats.org/drawingml/2006/main" xmlns:r="http://schemas.openxmlformats.org/officeDocument/2006/relationships" xmlns:p="http://schemas.openxmlformats.org/presentationml/2006/main">
   <p:cSld>
     <p:bg>
-      <p:bgRef idx="1001">
-        <a:schemeClr val="bg1"/>
+      <p:bgRef idx="1002">
+        <a:schemeClr val="bg2"/>
       </p:bgRef>
     </p:bg>
     <p:spTree>
@@ -2925,7 +2950,7 @@
           <a:p>
             <a:fld id="{C40C8D78-3EBB-40F3-B4F6-6889300BDA29}" type="datetimeFigureOut">
               <a:rPr lang="en-GB" smtClean="0"/>
-              <a:t>23/06/2022</a:t>
+              <a:t>02/07/2022</a:t>
             </a:fld>
             <a:endParaRPr lang="en-GB"/>
           </a:p>
@@ -3028,7 +3053,7 @@
       </p:ext>
     </p:extLst>
   </p:cSld>
-  <p:clrMap bg1="lt1" tx1="dk1" bg2="lt2" tx2="dk2" accent1="accent1" accent2="accent2" accent3="accent3" accent4="accent4" accent5="accent5" accent6="accent6" hlink="hlink" folHlink="folHlink"/>
+  <p:clrMap bg1="dk1" tx1="lt1" bg2="dk2" tx2="lt2" accent1="accent1" accent2="accent2" accent3="accent3" accent4="accent4" accent5="accent5" accent6="accent6" hlink="hlink" folHlink="folHlink"/>
   <p:sldLayoutIdLst>
     <p:sldLayoutId id="2147483649" r:id="rId1"/>
     <p:sldLayoutId id="2147483650" r:id="rId2"/>
@@ -3328,14 +3353,226 @@
 <file path=ppt/slides/slide1.xml><?xml version="1.0" encoding="utf-8"?>
 <p:sld xmlns:a="http://schemas.openxmlformats.org/drawingml/2006/main" xmlns:r="http://schemas.openxmlformats.org/officeDocument/2006/relationships" xmlns:p="http://schemas.openxmlformats.org/presentationml/2006/main">
   <p:cSld>
-    <p:bg>
-      <p:bgPr>
-        <a:solidFill>
-          <a:schemeClr val="bg1"/>
-        </a:solidFill>
-        <a:effectLst/>
-      </p:bgPr>
-    </p:bg>
+    <p:spTree>
+      <p:nvGrpSpPr>
+        <p:cNvPr id="1" name=""/>
+        <p:cNvGrpSpPr/>
+        <p:nvPr/>
+      </p:nvGrpSpPr>
+      <p:grpSpPr>
+        <a:xfrm>
+          <a:off x="0" y="0"/>
+          <a:ext cx="0" cy="0"/>
+          <a:chOff x="0" y="0"/>
+          <a:chExt cx="0" cy="0"/>
+        </a:xfrm>
+      </p:grpSpPr>
+      <p:sp>
+        <p:nvSpPr>
+          <p:cNvPr id="2" name="Title 1">
+            <a:extLst>
+              <a:ext uri="{FF2B5EF4-FFF2-40B4-BE49-F238E27FC236}">
+                <a16:creationId xmlns:a16="http://schemas.microsoft.com/office/drawing/2014/main" id="{B7CB8554-530B-4DCD-8A58-75C2421C726B}"/>
+              </a:ext>
+            </a:extLst>
+          </p:cNvPr>
+          <p:cNvSpPr>
+            <a:spLocks noGrp="1"/>
+          </p:cNvSpPr>
+          <p:nvPr>
+            <p:ph type="title"/>
+          </p:nvPr>
+        </p:nvSpPr>
+        <p:spPr/>
+        <p:txBody>
+          <a:bodyPr/>
+          <a:lstStyle/>
+          <a:p>
+            <a:r>
+              <a:rPr lang="it-IT" dirty="0" err="1"/>
+              <a:t>itroduction</a:t>
+            </a:r>
+            <a:endParaRPr lang="en-GB" dirty="0"/>
+          </a:p>
+        </p:txBody>
+      </p:sp>
+      <p:sp>
+        <p:nvSpPr>
+          <p:cNvPr id="3" name="Content Placeholder 2">
+            <a:extLst>
+              <a:ext uri="{FF2B5EF4-FFF2-40B4-BE49-F238E27FC236}">
+                <a16:creationId xmlns:a16="http://schemas.microsoft.com/office/drawing/2014/main" id="{DA989E42-6A24-4A99-A998-0B522D28A2EF}"/>
+              </a:ext>
+            </a:extLst>
+          </p:cNvPr>
+          <p:cNvSpPr>
+            <a:spLocks noGrp="1"/>
+          </p:cNvSpPr>
+          <p:nvPr>
+            <p:ph idx="1"/>
+          </p:nvPr>
+        </p:nvSpPr>
+        <p:spPr/>
+        <p:txBody>
+          <a:bodyPr/>
+          <a:lstStyle/>
+          <a:p>
+            <a:endParaRPr lang="en-GB"/>
+          </a:p>
+        </p:txBody>
+      </p:sp>
+    </p:spTree>
+    <p:extLst>
+      <p:ext uri="{BB962C8B-B14F-4D97-AF65-F5344CB8AC3E}">
+        <p14:creationId xmlns:p14="http://schemas.microsoft.com/office/powerpoint/2010/main" val="1252711912"/>
+      </p:ext>
+    </p:extLst>
+  </p:cSld>
+  <p:clrMapOvr>
+    <a:masterClrMapping/>
+  </p:clrMapOvr>
+</p:sld>
+</file>
+
+<file path=ppt/slides/slide2.xml><?xml version="1.0" encoding="utf-8"?>
+<p:sld xmlns:a="http://schemas.openxmlformats.org/drawingml/2006/main" xmlns:r="http://schemas.openxmlformats.org/officeDocument/2006/relationships" xmlns:p="http://schemas.openxmlformats.org/presentationml/2006/main">
+  <p:cSld>
+    <p:spTree>
+      <p:nvGrpSpPr>
+        <p:cNvPr id="1" name=""/>
+        <p:cNvGrpSpPr/>
+        <p:nvPr/>
+      </p:nvGrpSpPr>
+      <p:grpSpPr>
+        <a:xfrm>
+          <a:off x="0" y="0"/>
+          <a:ext cx="0" cy="0"/>
+          <a:chOff x="0" y="0"/>
+          <a:chExt cx="0" cy="0"/>
+        </a:xfrm>
+      </p:grpSpPr>
+      <p:sp>
+        <p:nvSpPr>
+          <p:cNvPr id="2" name="Title 1">
+            <a:extLst>
+              <a:ext uri="{FF2B5EF4-FFF2-40B4-BE49-F238E27FC236}">
+                <a16:creationId xmlns:a16="http://schemas.microsoft.com/office/drawing/2014/main" id="{478492DE-A5EF-4F25-AAB6-F8B8C3DB0F9F}"/>
+              </a:ext>
+            </a:extLst>
+          </p:cNvPr>
+          <p:cNvSpPr>
+            <a:spLocks noGrp="1"/>
+          </p:cNvSpPr>
+          <p:nvPr>
+            <p:ph type="title"/>
+          </p:nvPr>
+        </p:nvSpPr>
+        <p:spPr/>
+        <p:txBody>
+          <a:bodyPr/>
+          <a:lstStyle/>
+          <a:p>
+            <a:r>
+              <a:rPr lang="it-IT" dirty="0"/>
+              <a:t>Artist-</a:t>
+            </a:r>
+            <a:r>
+              <a:rPr lang="it-IT" dirty="0" err="1"/>
+              <a:t>oriented</a:t>
+            </a:r>
+            <a:r>
+              <a:rPr lang="it-IT" dirty="0"/>
+              <a:t> design</a:t>
+            </a:r>
+            <a:endParaRPr lang="en-GB" dirty="0"/>
+          </a:p>
+        </p:txBody>
+      </p:sp>
+      <p:sp>
+        <p:nvSpPr>
+          <p:cNvPr id="3" name="Content Placeholder 2">
+            <a:extLst>
+              <a:ext uri="{FF2B5EF4-FFF2-40B4-BE49-F238E27FC236}">
+                <a16:creationId xmlns:a16="http://schemas.microsoft.com/office/drawing/2014/main" id="{61BFC29D-6924-40E1-A632-2AC78D0FF3AD}"/>
+              </a:ext>
+            </a:extLst>
+          </p:cNvPr>
+          <p:cNvSpPr>
+            <a:spLocks noGrp="1"/>
+          </p:cNvSpPr>
+          <p:nvPr>
+            <p:ph idx="1"/>
+          </p:nvPr>
+        </p:nvSpPr>
+        <p:spPr/>
+        <p:txBody>
+          <a:bodyPr/>
+          <a:lstStyle/>
+          <a:p>
+            <a:r>
+              <a:rPr lang="it-IT" dirty="0"/>
+              <a:t>Artist </a:t>
+            </a:r>
+            <a:r>
+              <a:rPr lang="it-IT" dirty="0" err="1"/>
+              <a:t>need</a:t>
+            </a:r>
+            <a:endParaRPr lang="it-IT" dirty="0"/>
+          </a:p>
+          <a:p>
+            <a:r>
+              <a:rPr lang="it-IT" dirty="0"/>
+              <a:t>Artist </a:t>
+            </a:r>
+            <a:r>
+              <a:rPr lang="it-IT" dirty="0" err="1"/>
+              <a:t>presentation</a:t>
+            </a:r>
+            <a:endParaRPr lang="it-IT" dirty="0"/>
+          </a:p>
+          <a:p>
+            <a:r>
+              <a:rPr lang="it-IT" dirty="0" err="1"/>
+              <a:t>Previus</a:t>
+            </a:r>
+            <a:r>
+              <a:rPr lang="it-IT" dirty="0"/>
+              <a:t> setup </a:t>
+            </a:r>
+          </a:p>
+          <a:p>
+            <a:r>
+              <a:rPr lang="it-IT" dirty="0" err="1"/>
+              <a:t>Initial</a:t>
+            </a:r>
+            <a:r>
+              <a:rPr lang="it-IT" dirty="0"/>
+              <a:t> </a:t>
+            </a:r>
+            <a:r>
+              <a:rPr lang="it-IT" dirty="0" err="1"/>
+              <a:t>contraints</a:t>
+            </a:r>
+            <a:endParaRPr lang="en-GB" dirty="0"/>
+          </a:p>
+        </p:txBody>
+      </p:sp>
+    </p:spTree>
+    <p:extLst>
+      <p:ext uri="{BB962C8B-B14F-4D97-AF65-F5344CB8AC3E}">
+        <p14:creationId xmlns:p14="http://schemas.microsoft.com/office/powerpoint/2010/main" val="2095304450"/>
+      </p:ext>
+    </p:extLst>
+  </p:cSld>
+  <p:clrMapOvr>
+    <a:masterClrMapping/>
+  </p:clrMapOvr>
+</p:sld>
+</file>
+
+<file path=ppt/slides/slide3.xml><?xml version="1.0" encoding="utf-8"?>
+<p:sld xmlns:a="http://schemas.openxmlformats.org/drawingml/2006/main" xmlns:r="http://schemas.openxmlformats.org/officeDocument/2006/relationships" xmlns:p="http://schemas.openxmlformats.org/presentationml/2006/main">
+  <p:cSld>
     <p:spTree>
       <p:nvGrpSpPr>
         <p:cNvPr id="1" name=""/>
@@ -4799,10 +5036,676 @@
           </a:custGeom>
         </p:spPr>
       </p:pic>
+      <p:sp>
+        <p:nvSpPr>
+          <p:cNvPr id="2" name="TextBox 1">
+            <a:extLst>
+              <a:ext uri="{FF2B5EF4-FFF2-40B4-BE49-F238E27FC236}">
+                <a16:creationId xmlns:a16="http://schemas.microsoft.com/office/drawing/2014/main" id="{43DC9337-F54E-45CD-850C-0E343063DE9E}"/>
+              </a:ext>
+            </a:extLst>
+          </p:cNvPr>
+          <p:cNvSpPr txBox="1"/>
+          <p:nvPr/>
+        </p:nvSpPr>
+        <p:spPr>
+          <a:xfrm>
+            <a:off x="8229600" y="6004441"/>
+            <a:ext cx="3000375" cy="369332"/>
+          </a:xfrm>
+          <a:prstGeom prst="rect">
+            <a:avLst/>
+          </a:prstGeom>
+          <a:noFill/>
+        </p:spPr>
+        <p:txBody>
+          <a:bodyPr wrap="square" rtlCol="0">
+            <a:spAutoFit/>
+          </a:bodyPr>
+          <a:lstStyle/>
+          <a:p>
+            <a:r>
+              <a:rPr lang="it-IT" dirty="0" err="1"/>
+              <a:t>Introduction</a:t>
+            </a:r>
+            <a:endParaRPr lang="en-GB" dirty="0"/>
+          </a:p>
+        </p:txBody>
+      </p:sp>
     </p:spTree>
     <p:extLst>
       <p:ext uri="{BB962C8B-B14F-4D97-AF65-F5344CB8AC3E}">
         <p14:creationId xmlns:p14="http://schemas.microsoft.com/office/powerpoint/2010/main" val="4038319000"/>
+      </p:ext>
+    </p:extLst>
+  </p:cSld>
+  <p:clrMapOvr>
+    <a:masterClrMapping/>
+  </p:clrMapOvr>
+</p:sld>
+</file>
+
+<file path=ppt/slides/slide4.xml><?xml version="1.0" encoding="utf-8"?>
+<p:sld xmlns:a="http://schemas.openxmlformats.org/drawingml/2006/main" xmlns:r="http://schemas.openxmlformats.org/officeDocument/2006/relationships" xmlns:p="http://schemas.openxmlformats.org/presentationml/2006/main">
+  <p:cSld>
+    <p:spTree>
+      <p:nvGrpSpPr>
+        <p:cNvPr id="1" name=""/>
+        <p:cNvGrpSpPr/>
+        <p:nvPr/>
+      </p:nvGrpSpPr>
+      <p:grpSpPr>
+        <a:xfrm>
+          <a:off x="0" y="0"/>
+          <a:ext cx="0" cy="0"/>
+          <a:chOff x="0" y="0"/>
+          <a:chExt cx="0" cy="0"/>
+        </a:xfrm>
+      </p:grpSpPr>
+      <p:sp>
+        <p:nvSpPr>
+          <p:cNvPr id="2" name="Title 1">
+            <a:extLst>
+              <a:ext uri="{FF2B5EF4-FFF2-40B4-BE49-F238E27FC236}">
+                <a16:creationId xmlns:a16="http://schemas.microsoft.com/office/drawing/2014/main" id="{0DA8ACA2-E1EA-4196-A3D4-B28353079EE0}"/>
+              </a:ext>
+            </a:extLst>
+          </p:cNvPr>
+          <p:cNvSpPr>
+            <a:spLocks noGrp="1"/>
+          </p:cNvSpPr>
+          <p:nvPr>
+            <p:ph type="title"/>
+          </p:nvPr>
+        </p:nvSpPr>
+        <p:spPr/>
+        <p:txBody>
+          <a:bodyPr/>
+          <a:lstStyle/>
+          <a:p>
+            <a:r>
+              <a:rPr lang="it-IT" dirty="0"/>
+              <a:t>Hand pose model </a:t>
+            </a:r>
+            <a:endParaRPr lang="en-GB" dirty="0"/>
+          </a:p>
+        </p:txBody>
+      </p:sp>
+      <p:sp>
+        <p:nvSpPr>
+          <p:cNvPr id="3" name="Content Placeholder 2">
+            <a:extLst>
+              <a:ext uri="{FF2B5EF4-FFF2-40B4-BE49-F238E27FC236}">
+                <a16:creationId xmlns:a16="http://schemas.microsoft.com/office/drawing/2014/main" id="{9E04BF2C-30D2-498F-920D-1B665681C05D}"/>
+              </a:ext>
+            </a:extLst>
+          </p:cNvPr>
+          <p:cNvSpPr>
+            <a:spLocks noGrp="1"/>
+          </p:cNvSpPr>
+          <p:nvPr>
+            <p:ph idx="1"/>
+          </p:nvPr>
+        </p:nvSpPr>
+        <p:spPr/>
+        <p:txBody>
+          <a:bodyPr/>
+          <a:lstStyle/>
+          <a:p>
+            <a:endParaRPr lang="en-GB"/>
+          </a:p>
+        </p:txBody>
+      </p:sp>
+    </p:spTree>
+    <p:extLst>
+      <p:ext uri="{BB962C8B-B14F-4D97-AF65-F5344CB8AC3E}">
+        <p14:creationId xmlns:p14="http://schemas.microsoft.com/office/powerpoint/2010/main" val="2611581295"/>
+      </p:ext>
+    </p:extLst>
+  </p:cSld>
+  <p:clrMapOvr>
+    <a:masterClrMapping/>
+  </p:clrMapOvr>
+</p:sld>
+</file>
+
+<file path=ppt/slides/slide5.xml><?xml version="1.0" encoding="utf-8"?>
+<p:sld xmlns:a="http://schemas.openxmlformats.org/drawingml/2006/main" xmlns:r="http://schemas.openxmlformats.org/officeDocument/2006/relationships" xmlns:p="http://schemas.openxmlformats.org/presentationml/2006/main">
+  <p:cSld>
+    <p:spTree>
+      <p:nvGrpSpPr>
+        <p:cNvPr id="1" name=""/>
+        <p:cNvGrpSpPr/>
+        <p:nvPr/>
+      </p:nvGrpSpPr>
+      <p:grpSpPr>
+        <a:xfrm>
+          <a:off x="0" y="0"/>
+          <a:ext cx="0" cy="0"/>
+          <a:chOff x="0" y="0"/>
+          <a:chExt cx="0" cy="0"/>
+        </a:xfrm>
+      </p:grpSpPr>
+      <p:sp>
+        <p:nvSpPr>
+          <p:cNvPr id="2" name="Title 1">
+            <a:extLst>
+              <a:ext uri="{FF2B5EF4-FFF2-40B4-BE49-F238E27FC236}">
+                <a16:creationId xmlns:a16="http://schemas.microsoft.com/office/drawing/2014/main" id="{4F1270F0-D647-477D-BD1E-7824D9669E40}"/>
+              </a:ext>
+            </a:extLst>
+          </p:cNvPr>
+          <p:cNvSpPr>
+            <a:spLocks noGrp="1"/>
+          </p:cNvSpPr>
+          <p:nvPr>
+            <p:ph type="title"/>
+          </p:nvPr>
+        </p:nvSpPr>
+        <p:spPr/>
+        <p:txBody>
+          <a:bodyPr/>
+          <a:lstStyle/>
+          <a:p>
+            <a:r>
+              <a:rPr lang="it-IT" dirty="0" err="1"/>
+              <a:t>Supercollider</a:t>
+            </a:r>
+            <a:r>
+              <a:rPr lang="it-IT" dirty="0"/>
+              <a:t> </a:t>
+            </a:r>
+            <a:r>
+              <a:rPr lang="it-IT" dirty="0" err="1"/>
+              <a:t>algorith</a:t>
+            </a:r>
+            <a:r>
+              <a:rPr lang="it-IT" dirty="0"/>
+              <a:t> </a:t>
+            </a:r>
+            <a:endParaRPr lang="en-GB" dirty="0"/>
+          </a:p>
+        </p:txBody>
+      </p:sp>
+      <p:sp>
+        <p:nvSpPr>
+          <p:cNvPr id="3" name="Content Placeholder 2">
+            <a:extLst>
+              <a:ext uri="{FF2B5EF4-FFF2-40B4-BE49-F238E27FC236}">
+                <a16:creationId xmlns:a16="http://schemas.microsoft.com/office/drawing/2014/main" id="{145E8F1D-00A4-4FB7-8024-696181EA8337}"/>
+              </a:ext>
+            </a:extLst>
+          </p:cNvPr>
+          <p:cNvSpPr>
+            <a:spLocks noGrp="1"/>
+          </p:cNvSpPr>
+          <p:nvPr>
+            <p:ph idx="1"/>
+          </p:nvPr>
+        </p:nvSpPr>
+        <p:spPr/>
+        <p:txBody>
+          <a:bodyPr/>
+          <a:lstStyle/>
+          <a:p>
+            <a:r>
+              <a:rPr lang="it-IT" dirty="0" err="1"/>
+              <a:t>Tartiti</a:t>
+            </a:r>
+            <a:endParaRPr lang="it-IT" dirty="0"/>
+          </a:p>
+          <a:p>
+            <a:r>
+              <a:rPr lang="it-IT" dirty="0" err="1"/>
+              <a:t>pitchshiftPa</a:t>
+            </a:r>
+            <a:endParaRPr lang="it-IT" dirty="0"/>
+          </a:p>
+          <a:p>
+            <a:r>
+              <a:rPr lang="it-IT" dirty="0"/>
+              <a:t>MYK classes</a:t>
+            </a:r>
+          </a:p>
+          <a:p>
+            <a:r>
+              <a:rPr lang="it-IT" dirty="0"/>
+              <a:t>Osc/ midi </a:t>
+            </a:r>
+            <a:r>
+              <a:rPr lang="it-IT" dirty="0" err="1"/>
+              <a:t>mappig</a:t>
+            </a:r>
+            <a:endParaRPr lang="en-GB" dirty="0"/>
+          </a:p>
+        </p:txBody>
+      </p:sp>
+    </p:spTree>
+    <p:extLst>
+      <p:ext uri="{BB962C8B-B14F-4D97-AF65-F5344CB8AC3E}">
+        <p14:creationId xmlns:p14="http://schemas.microsoft.com/office/powerpoint/2010/main" val="2951194136"/>
+      </p:ext>
+    </p:extLst>
+  </p:cSld>
+  <p:clrMapOvr>
+    <a:masterClrMapping/>
+  </p:clrMapOvr>
+</p:sld>
+</file>
+
+<file path=ppt/slides/slide6.xml><?xml version="1.0" encoding="utf-8"?>
+<p:sld xmlns:a="http://schemas.openxmlformats.org/drawingml/2006/main" xmlns:r="http://schemas.openxmlformats.org/officeDocument/2006/relationships" xmlns:p="http://schemas.openxmlformats.org/presentationml/2006/main">
+  <p:cSld>
+    <p:spTree>
+      <p:nvGrpSpPr>
+        <p:cNvPr id="1" name=""/>
+        <p:cNvGrpSpPr/>
+        <p:nvPr/>
+      </p:nvGrpSpPr>
+      <p:grpSpPr>
+        <a:xfrm>
+          <a:off x="0" y="0"/>
+          <a:ext cx="0" cy="0"/>
+          <a:chOff x="0" y="0"/>
+          <a:chExt cx="0" cy="0"/>
+        </a:xfrm>
+      </p:grpSpPr>
+      <p:pic>
+        <p:nvPicPr>
+          <p:cNvPr id="5" name="Picture 4">
+            <a:extLst>
+              <a:ext uri="{FF2B5EF4-FFF2-40B4-BE49-F238E27FC236}">
+                <a16:creationId xmlns:a16="http://schemas.microsoft.com/office/drawing/2014/main" id="{367E00C1-E540-40B7-8DC5-FC5FBCE8767A}"/>
+              </a:ext>
+            </a:extLst>
+          </p:cNvPr>
+          <p:cNvPicPr>
+            <a:picLocks noChangeAspect="1"/>
+          </p:cNvPicPr>
+          <p:nvPr/>
+        </p:nvPicPr>
+        <p:blipFill>
+          <a:blip r:embed="rId2">
+            <a:extLst>
+              <a:ext uri="{28A0092B-C50C-407E-A947-70E740481C1C}">
+                <a14:useLocalDpi xmlns:a14="http://schemas.microsoft.com/office/drawing/2010/main" val="0"/>
+              </a:ext>
+            </a:extLst>
+          </a:blip>
+          <a:stretch>
+            <a:fillRect/>
+          </a:stretch>
+        </p:blipFill>
+        <p:spPr>
+          <a:xfrm>
+            <a:off x="0" y="0"/>
+            <a:ext cx="12192000" cy="6858000"/>
+          </a:xfrm>
+          <a:prstGeom prst="rect">
+            <a:avLst/>
+          </a:prstGeom>
+        </p:spPr>
+      </p:pic>
+      <p:sp>
+        <p:nvSpPr>
+          <p:cNvPr id="6" name="TextBox 5">
+            <a:extLst>
+              <a:ext uri="{FF2B5EF4-FFF2-40B4-BE49-F238E27FC236}">
+                <a16:creationId xmlns:a16="http://schemas.microsoft.com/office/drawing/2014/main" id="{F4FC8B27-A6E2-4726-9633-E4AE8CCBFA69}"/>
+              </a:ext>
+            </a:extLst>
+          </p:cNvPr>
+          <p:cNvSpPr txBox="1"/>
+          <p:nvPr/>
+        </p:nvSpPr>
+        <p:spPr>
+          <a:xfrm>
+            <a:off x="6096000" y="718457"/>
+            <a:ext cx="5736771" cy="369332"/>
+          </a:xfrm>
+          <a:prstGeom prst="rect">
+            <a:avLst/>
+          </a:prstGeom>
+          <a:noFill/>
+        </p:spPr>
+        <p:txBody>
+          <a:bodyPr wrap="square" rtlCol="0">
+            <a:spAutoFit/>
+          </a:bodyPr>
+          <a:lstStyle/>
+          <a:p>
+            <a:r>
+              <a:rPr lang="it-IT" dirty="0" err="1"/>
+              <a:t>Final</a:t>
+            </a:r>
+            <a:r>
+              <a:rPr lang="it-IT" dirty="0"/>
+              <a:t> </a:t>
+            </a:r>
+            <a:r>
+              <a:rPr lang="it-IT" dirty="0" err="1"/>
+              <a:t>architecture</a:t>
+            </a:r>
+            <a:endParaRPr lang="it-IT" dirty="0"/>
+          </a:p>
+        </p:txBody>
+      </p:sp>
+    </p:spTree>
+    <p:extLst>
+      <p:ext uri="{BB962C8B-B14F-4D97-AF65-F5344CB8AC3E}">
+        <p14:creationId xmlns:p14="http://schemas.microsoft.com/office/powerpoint/2010/main" val="3729208332"/>
+      </p:ext>
+    </p:extLst>
+  </p:cSld>
+  <p:clrMapOvr>
+    <a:masterClrMapping/>
+  </p:clrMapOvr>
+</p:sld>
+</file>
+
+<file path=ppt/slides/slide7.xml><?xml version="1.0" encoding="utf-8"?>
+<p:sld xmlns:a="http://schemas.openxmlformats.org/drawingml/2006/main" xmlns:r="http://schemas.openxmlformats.org/officeDocument/2006/relationships" xmlns:p="http://schemas.openxmlformats.org/presentationml/2006/main">
+  <p:cSld>
+    <p:bg>
+      <p:bgPr>
+        <a:solidFill>
+          <a:schemeClr val="bg2">
+            <a:tint val="95000"/>
+            <a:satMod val="170000"/>
+            <a:alpha val="96000"/>
+          </a:schemeClr>
+        </a:solidFill>
+        <a:effectLst/>
+      </p:bgPr>
+    </p:bg>
+    <p:spTree>
+      <p:nvGrpSpPr>
+        <p:cNvPr id="1" name=""/>
+        <p:cNvGrpSpPr/>
+        <p:nvPr/>
+      </p:nvGrpSpPr>
+      <p:grpSpPr>
+        <a:xfrm>
+          <a:off x="0" y="0"/>
+          <a:ext cx="0" cy="0"/>
+          <a:chOff x="0" y="0"/>
+          <a:chExt cx="0" cy="0"/>
+        </a:xfrm>
+      </p:grpSpPr>
+      <p:sp>
+        <p:nvSpPr>
+          <p:cNvPr id="2" name="Title 1">
+            <a:extLst>
+              <a:ext uri="{FF2B5EF4-FFF2-40B4-BE49-F238E27FC236}">
+                <a16:creationId xmlns:a16="http://schemas.microsoft.com/office/drawing/2014/main" id="{DF3535DD-BC01-4E7F-A042-6B5F03A673B4}"/>
+              </a:ext>
+            </a:extLst>
+          </p:cNvPr>
+          <p:cNvSpPr>
+            <a:spLocks noGrp="1"/>
+          </p:cNvSpPr>
+          <p:nvPr>
+            <p:ph type="title"/>
+          </p:nvPr>
+        </p:nvSpPr>
+        <p:spPr/>
+        <p:txBody>
+          <a:bodyPr/>
+          <a:lstStyle/>
+          <a:p>
+            <a:r>
+              <a:rPr lang="it-IT" dirty="0"/>
+              <a:t>Evaluation </a:t>
+            </a:r>
+            <a:r>
+              <a:rPr lang="it-IT" dirty="0" err="1"/>
+              <a:t>Questionnaire</a:t>
+            </a:r>
+            <a:endParaRPr lang="en-GB" dirty="0"/>
+          </a:p>
+        </p:txBody>
+      </p:sp>
+      <p:sp>
+        <p:nvSpPr>
+          <p:cNvPr id="3" name="Content Placeholder 2">
+            <a:extLst>
+              <a:ext uri="{FF2B5EF4-FFF2-40B4-BE49-F238E27FC236}">
+                <a16:creationId xmlns:a16="http://schemas.microsoft.com/office/drawing/2014/main" id="{4476819E-0AEE-45BF-A77A-FE92828EFED7}"/>
+              </a:ext>
+            </a:extLst>
+          </p:cNvPr>
+          <p:cNvSpPr>
+            <a:spLocks noGrp="1"/>
+          </p:cNvSpPr>
+          <p:nvPr>
+            <p:ph idx="1"/>
+          </p:nvPr>
+        </p:nvSpPr>
+        <p:spPr/>
+        <p:txBody>
+          <a:bodyPr/>
+          <a:lstStyle/>
+          <a:p>
+            <a:r>
+              <a:rPr lang="it-IT" dirty="0"/>
+              <a:t>A new way to </a:t>
+            </a:r>
+            <a:r>
+              <a:rPr lang="it-IT" dirty="0" err="1"/>
+              <a:t>evaluate</a:t>
+            </a:r>
+            <a:r>
+              <a:rPr lang="it-IT" dirty="0"/>
+              <a:t> </a:t>
+            </a:r>
+            <a:r>
+              <a:rPr lang="it-IT" dirty="0" err="1"/>
+              <a:t>based</a:t>
+            </a:r>
+            <a:r>
+              <a:rPr lang="it-IT" dirty="0"/>
+              <a:t> to the </a:t>
+            </a:r>
+            <a:r>
+              <a:rPr lang="it-IT" dirty="0" err="1"/>
+              <a:t>artist</a:t>
+            </a:r>
+            <a:r>
+              <a:rPr lang="it-IT" dirty="0"/>
+              <a:t> </a:t>
+            </a:r>
+          </a:p>
+          <a:p>
+            <a:r>
+              <a:rPr lang="en-GB" dirty="0"/>
+              <a:t>Made for the developers for the artistic evaluation</a:t>
+            </a:r>
+          </a:p>
+          <a:p>
+            <a:endParaRPr lang="en-GB" dirty="0"/>
+          </a:p>
+        </p:txBody>
+      </p:sp>
+    </p:spTree>
+    <p:extLst>
+      <p:ext uri="{BB962C8B-B14F-4D97-AF65-F5344CB8AC3E}">
+        <p14:creationId xmlns:p14="http://schemas.microsoft.com/office/powerpoint/2010/main" val="2508781189"/>
+      </p:ext>
+    </p:extLst>
+  </p:cSld>
+  <p:clrMapOvr>
+    <a:masterClrMapping/>
+  </p:clrMapOvr>
+</p:sld>
+</file>
+
+<file path=ppt/slides/slide8.xml><?xml version="1.0" encoding="utf-8"?>
+<p:sld xmlns:a="http://schemas.openxmlformats.org/drawingml/2006/main" xmlns:r="http://schemas.openxmlformats.org/officeDocument/2006/relationships" xmlns:p="http://schemas.openxmlformats.org/presentationml/2006/main">
+  <p:cSld>
+    <p:spTree>
+      <p:nvGrpSpPr>
+        <p:cNvPr id="1" name=""/>
+        <p:cNvGrpSpPr/>
+        <p:nvPr/>
+      </p:nvGrpSpPr>
+      <p:grpSpPr>
+        <a:xfrm>
+          <a:off x="0" y="0"/>
+          <a:ext cx="0" cy="0"/>
+          <a:chOff x="0" y="0"/>
+          <a:chExt cx="0" cy="0"/>
+        </a:xfrm>
+      </p:grpSpPr>
+      <p:sp>
+        <p:nvSpPr>
+          <p:cNvPr id="2" name="Title 1">
+            <a:extLst>
+              <a:ext uri="{FF2B5EF4-FFF2-40B4-BE49-F238E27FC236}">
+                <a16:creationId xmlns:a16="http://schemas.microsoft.com/office/drawing/2014/main" id="{4F044C50-89D7-4509-B44F-DE30EC0FD2E7}"/>
+              </a:ext>
+            </a:extLst>
+          </p:cNvPr>
+          <p:cNvSpPr>
+            <a:spLocks noGrp="1"/>
+          </p:cNvSpPr>
+          <p:nvPr>
+            <p:ph type="title"/>
+          </p:nvPr>
+        </p:nvSpPr>
+        <p:spPr/>
+        <p:txBody>
+          <a:bodyPr/>
+          <a:lstStyle/>
+          <a:p>
+            <a:r>
+              <a:rPr lang="it-IT" dirty="0"/>
+              <a:t>Demo</a:t>
+            </a:r>
+            <a:endParaRPr lang="en-GB" dirty="0"/>
+          </a:p>
+        </p:txBody>
+      </p:sp>
+      <p:sp>
+        <p:nvSpPr>
+          <p:cNvPr id="3" name="Content Placeholder 2">
+            <a:extLst>
+              <a:ext uri="{FF2B5EF4-FFF2-40B4-BE49-F238E27FC236}">
+                <a16:creationId xmlns:a16="http://schemas.microsoft.com/office/drawing/2014/main" id="{A4D6C80B-E8E8-4549-B5CB-DB67FCAC7125}"/>
+              </a:ext>
+            </a:extLst>
+          </p:cNvPr>
+          <p:cNvSpPr>
+            <a:spLocks noGrp="1"/>
+          </p:cNvSpPr>
+          <p:nvPr>
+            <p:ph idx="1"/>
+          </p:nvPr>
+        </p:nvSpPr>
+        <p:spPr/>
+        <p:txBody>
+          <a:bodyPr/>
+          <a:lstStyle/>
+          <a:p>
+            <a:endParaRPr lang="en-GB"/>
+          </a:p>
+        </p:txBody>
+      </p:sp>
+    </p:spTree>
+    <p:extLst>
+      <p:ext uri="{BB962C8B-B14F-4D97-AF65-F5344CB8AC3E}">
+        <p14:creationId xmlns:p14="http://schemas.microsoft.com/office/powerpoint/2010/main" val="1359904484"/>
+      </p:ext>
+    </p:extLst>
+  </p:cSld>
+  <p:clrMapOvr>
+    <a:masterClrMapping/>
+  </p:clrMapOvr>
+</p:sld>
+</file>
+
+<file path=ppt/slides/slide9.xml><?xml version="1.0" encoding="utf-8"?>
+<p:sld xmlns:a="http://schemas.openxmlformats.org/drawingml/2006/main" xmlns:r="http://schemas.openxmlformats.org/officeDocument/2006/relationships" xmlns:p="http://schemas.openxmlformats.org/presentationml/2006/main">
+  <p:cSld>
+    <p:spTree>
+      <p:nvGrpSpPr>
+        <p:cNvPr id="1" name=""/>
+        <p:cNvGrpSpPr/>
+        <p:nvPr/>
+      </p:nvGrpSpPr>
+      <p:grpSpPr>
+        <a:xfrm>
+          <a:off x="0" y="0"/>
+          <a:ext cx="0" cy="0"/>
+          <a:chOff x="0" y="0"/>
+          <a:chExt cx="0" cy="0"/>
+        </a:xfrm>
+      </p:grpSpPr>
+      <p:sp>
+        <p:nvSpPr>
+          <p:cNvPr id="2" name="Title 1">
+            <a:extLst>
+              <a:ext uri="{FF2B5EF4-FFF2-40B4-BE49-F238E27FC236}">
+                <a16:creationId xmlns:a16="http://schemas.microsoft.com/office/drawing/2014/main" id="{6FC2C511-181E-437C-970E-245672B96ED7}"/>
+              </a:ext>
+            </a:extLst>
+          </p:cNvPr>
+          <p:cNvSpPr>
+            <a:spLocks noGrp="1"/>
+          </p:cNvSpPr>
+          <p:nvPr>
+            <p:ph type="title"/>
+          </p:nvPr>
+        </p:nvSpPr>
+        <p:spPr/>
+        <p:txBody>
+          <a:bodyPr/>
+          <a:lstStyle/>
+          <a:p>
+            <a:r>
+              <a:rPr lang="it-IT" dirty="0" err="1"/>
+              <a:t>Results</a:t>
+            </a:r>
+            <a:r>
+              <a:rPr lang="it-IT" dirty="0"/>
+              <a:t> and </a:t>
+            </a:r>
+            <a:r>
+              <a:rPr lang="it-IT" dirty="0" err="1"/>
+              <a:t>improvements</a:t>
+            </a:r>
+            <a:endParaRPr lang="en-GB" dirty="0"/>
+          </a:p>
+        </p:txBody>
+      </p:sp>
+      <p:sp>
+        <p:nvSpPr>
+          <p:cNvPr id="3" name="Content Placeholder 2">
+            <a:extLst>
+              <a:ext uri="{FF2B5EF4-FFF2-40B4-BE49-F238E27FC236}">
+                <a16:creationId xmlns:a16="http://schemas.microsoft.com/office/drawing/2014/main" id="{4043924B-F5BA-4F75-A2BC-9393BFA32104}"/>
+              </a:ext>
+            </a:extLst>
+          </p:cNvPr>
+          <p:cNvSpPr>
+            <a:spLocks noGrp="1"/>
+          </p:cNvSpPr>
+          <p:nvPr>
+            <p:ph idx="1"/>
+          </p:nvPr>
+        </p:nvSpPr>
+        <p:spPr/>
+        <p:txBody>
+          <a:bodyPr/>
+          <a:lstStyle/>
+          <a:p>
+            <a:endParaRPr lang="en-GB" dirty="0"/>
+          </a:p>
+        </p:txBody>
+      </p:sp>
+    </p:spTree>
+    <p:extLst>
+      <p:ext uri="{BB962C8B-B14F-4D97-AF65-F5344CB8AC3E}">
+        <p14:creationId xmlns:p14="http://schemas.microsoft.com/office/powerpoint/2010/main" val="1667200130"/>
       </p:ext>
     </p:extLst>
   </p:cSld>

--- a/schematic/Presentation.pptx
+++ b/schematic/Presentation.pptx
@@ -3396,31 +3396,41 @@
           </a:p>
         </p:txBody>
       </p:sp>
-      <p:sp>
-        <p:nvSpPr>
-          <p:cNvPr id="3" name="Content Placeholder 2">
-            <a:extLst>
-              <a:ext uri="{FF2B5EF4-FFF2-40B4-BE49-F238E27FC236}">
-                <a16:creationId xmlns:a16="http://schemas.microsoft.com/office/drawing/2014/main" id="{DA989E42-6A24-4A99-A998-0B522D28A2EF}"/>
-              </a:ext>
-            </a:extLst>
-          </p:cNvPr>
-          <p:cNvSpPr>
-            <a:spLocks noGrp="1"/>
-          </p:cNvSpPr>
+      <p:pic>
+        <p:nvPicPr>
+          <p:cNvPr id="6" name="Content Placeholder 5" descr="Text&#10;&#10;Description automatically generated with low confidence">
+            <a:extLst>
+              <a:ext uri="{FF2B5EF4-FFF2-40B4-BE49-F238E27FC236}">
+                <a16:creationId xmlns:a16="http://schemas.microsoft.com/office/drawing/2014/main" id="{DAE34033-DC44-447B-8FBE-9BC74B39795B}"/>
+              </a:ext>
+            </a:extLst>
+          </p:cNvPr>
+          <p:cNvPicPr>
+            <a:picLocks noGrp="1" noChangeAspect="1"/>
+          </p:cNvPicPr>
           <p:nvPr>
             <p:ph idx="1"/>
           </p:nvPr>
-        </p:nvSpPr>
-        <p:spPr/>
-        <p:txBody>
-          <a:bodyPr/>
-          <a:lstStyle/>
-          <a:p>
-            <a:endParaRPr lang="en-GB"/>
-          </a:p>
-        </p:txBody>
-      </p:sp>
+        </p:nvPicPr>
+        <p:blipFill>
+          <a:blip r:embed="rId2">
+            <a:extLst>
+              <a:ext uri="{28A0092B-C50C-407E-A947-70E740481C1C}">
+                <a14:useLocalDpi xmlns:a14="http://schemas.microsoft.com/office/drawing/2010/main" val="0"/>
+              </a:ext>
+            </a:extLst>
+          </a:blip>
+          <a:stretch>
+            <a:fillRect/>
+          </a:stretch>
+        </p:blipFill>
+        <p:spPr>
+          <a:xfrm>
+            <a:off x="7691728" y="208573"/>
+            <a:ext cx="4326944" cy="1270140"/>
+          </a:xfrm>
+        </p:spPr>
+      </p:pic>
     </p:spTree>
     <p:extLst>
       <p:ext uri="{BB962C8B-B14F-4D97-AF65-F5344CB8AC3E}">
@@ -3557,6 +3567,42 @@
           </a:p>
         </p:txBody>
       </p:sp>
+      <p:pic>
+        <p:nvPicPr>
+          <p:cNvPr id="4" name="Content Placeholder 5" descr="Text&#10;&#10;Description automatically generated with low confidence">
+            <a:extLst>
+              <a:ext uri="{FF2B5EF4-FFF2-40B4-BE49-F238E27FC236}">
+                <a16:creationId xmlns:a16="http://schemas.microsoft.com/office/drawing/2014/main" id="{AD65CBAA-7F58-44F5-85A9-AF210C2E53C9}"/>
+              </a:ext>
+            </a:extLst>
+          </p:cNvPr>
+          <p:cNvPicPr>
+            <a:picLocks noChangeAspect="1"/>
+          </p:cNvPicPr>
+          <p:nvPr/>
+        </p:nvPicPr>
+        <p:blipFill>
+          <a:blip r:embed="rId2">
+            <a:extLst>
+              <a:ext uri="{28A0092B-C50C-407E-A947-70E740481C1C}">
+                <a14:useLocalDpi xmlns:a14="http://schemas.microsoft.com/office/drawing/2010/main" val="0"/>
+              </a:ext>
+            </a:extLst>
+          </a:blip>
+          <a:stretch>
+            <a:fillRect/>
+          </a:stretch>
+        </p:blipFill>
+        <p:spPr>
+          <a:xfrm>
+            <a:off x="7691728" y="208573"/>
+            <a:ext cx="4326944" cy="1270140"/>
+          </a:xfrm>
+          <a:prstGeom prst="rect">
+            <a:avLst/>
+          </a:prstGeom>
+        </p:spPr>
+      </p:pic>
     </p:spTree>
     <p:extLst>
       <p:ext uri="{BB962C8B-B14F-4D97-AF65-F5344CB8AC3E}">
@@ -5072,6 +5118,42 @@
           </a:p>
         </p:txBody>
       </p:sp>
+      <p:pic>
+        <p:nvPicPr>
+          <p:cNvPr id="6" name="Content Placeholder 5" descr="Text&#10;&#10;Description automatically generated with low confidence">
+            <a:extLst>
+              <a:ext uri="{FF2B5EF4-FFF2-40B4-BE49-F238E27FC236}">
+                <a16:creationId xmlns:a16="http://schemas.microsoft.com/office/drawing/2014/main" id="{410C881E-754D-47C7-8508-DFFC72E853A1}"/>
+              </a:ext>
+            </a:extLst>
+          </p:cNvPr>
+          <p:cNvPicPr>
+            <a:picLocks noChangeAspect="1"/>
+          </p:cNvPicPr>
+          <p:nvPr/>
+        </p:nvPicPr>
+        <p:blipFill>
+          <a:blip r:embed="rId3">
+            <a:extLst>
+              <a:ext uri="{28A0092B-C50C-407E-A947-70E740481C1C}">
+                <a14:useLocalDpi xmlns:a14="http://schemas.microsoft.com/office/drawing/2010/main" val="0"/>
+              </a:ext>
+            </a:extLst>
+          </a:blip>
+          <a:stretch>
+            <a:fillRect/>
+          </a:stretch>
+        </p:blipFill>
+        <p:spPr>
+          <a:xfrm>
+            <a:off x="7701888" y="147613"/>
+            <a:ext cx="4326944" cy="1270140"/>
+          </a:xfrm>
+          <a:prstGeom prst="rect">
+            <a:avLst/>
+          </a:prstGeom>
+        </p:spPr>
+      </p:pic>
     </p:spTree>
     <p:extLst>
       <p:ext uri="{BB962C8B-B14F-4D97-AF65-F5344CB8AC3E}">
@@ -5156,6 +5238,42 @@
           </a:p>
         </p:txBody>
       </p:sp>
+      <p:pic>
+        <p:nvPicPr>
+          <p:cNvPr id="4" name="Content Placeholder 5" descr="Text&#10;&#10;Description automatically generated with low confidence">
+            <a:extLst>
+              <a:ext uri="{FF2B5EF4-FFF2-40B4-BE49-F238E27FC236}">
+                <a16:creationId xmlns:a16="http://schemas.microsoft.com/office/drawing/2014/main" id="{F04983A7-6FCB-40E4-904E-053277FB86E5}"/>
+              </a:ext>
+            </a:extLst>
+          </p:cNvPr>
+          <p:cNvPicPr>
+            <a:picLocks noChangeAspect="1"/>
+          </p:cNvPicPr>
+          <p:nvPr/>
+        </p:nvPicPr>
+        <p:blipFill>
+          <a:blip r:embed="rId2">
+            <a:extLst>
+              <a:ext uri="{28A0092B-C50C-407E-A947-70E740481C1C}">
+                <a14:useLocalDpi xmlns:a14="http://schemas.microsoft.com/office/drawing/2010/main" val="0"/>
+              </a:ext>
+            </a:extLst>
+          </a:blip>
+          <a:stretch>
+            <a:fillRect/>
+          </a:stretch>
+        </p:blipFill>
+        <p:spPr>
+          <a:xfrm>
+            <a:off x="7691728" y="208573"/>
+            <a:ext cx="4326944" cy="1270140"/>
+          </a:xfrm>
+          <a:prstGeom prst="rect">
+            <a:avLst/>
+          </a:prstGeom>
+        </p:spPr>
+      </p:pic>
     </p:spTree>
     <p:extLst>
       <p:ext uri="{BB962C8B-B14F-4D97-AF65-F5344CB8AC3E}">
@@ -5280,6 +5398,42 @@
           </a:p>
         </p:txBody>
       </p:sp>
+      <p:pic>
+        <p:nvPicPr>
+          <p:cNvPr id="4" name="Content Placeholder 5" descr="Text&#10;&#10;Description automatically generated with low confidence">
+            <a:extLst>
+              <a:ext uri="{FF2B5EF4-FFF2-40B4-BE49-F238E27FC236}">
+                <a16:creationId xmlns:a16="http://schemas.microsoft.com/office/drawing/2014/main" id="{0BA6B469-050F-4BBD-BE6C-94A68CDD218A}"/>
+              </a:ext>
+            </a:extLst>
+          </p:cNvPr>
+          <p:cNvPicPr>
+            <a:picLocks noChangeAspect="1"/>
+          </p:cNvPicPr>
+          <p:nvPr/>
+        </p:nvPicPr>
+        <p:blipFill>
+          <a:blip r:embed="rId2">
+            <a:extLst>
+              <a:ext uri="{28A0092B-C50C-407E-A947-70E740481C1C}">
+                <a14:useLocalDpi xmlns:a14="http://schemas.microsoft.com/office/drawing/2010/main" val="0"/>
+              </a:ext>
+            </a:extLst>
+          </a:blip>
+          <a:stretch>
+            <a:fillRect/>
+          </a:stretch>
+        </p:blipFill>
+        <p:spPr>
+          <a:xfrm>
+            <a:off x="7691728" y="208573"/>
+            <a:ext cx="4326944" cy="1270140"/>
+          </a:xfrm>
+          <a:prstGeom prst="rect">
+            <a:avLst/>
+          </a:prstGeom>
+        </p:spPr>
+      </p:pic>
     </p:spTree>
     <p:extLst>
       <p:ext uri="{BB962C8B-B14F-4D97-AF65-F5344CB8AC3E}">
@@ -5390,6 +5544,41 @@
           </a:p>
         </p:txBody>
       </p:sp>
+      <p:pic>
+        <p:nvPicPr>
+          <p:cNvPr id="4" name="Content Placeholder 5" descr="Text&#10;&#10;Description automatically generated with low confidence">
+            <a:extLst>
+              <a:ext uri="{FF2B5EF4-FFF2-40B4-BE49-F238E27FC236}">
+                <a16:creationId xmlns:a16="http://schemas.microsoft.com/office/drawing/2014/main" id="{7B65A2B6-98EB-4CCF-B51B-8B0376D65F72}"/>
+              </a:ext>
+            </a:extLst>
+          </p:cNvPr>
+          <p:cNvPicPr>
+            <a:picLocks noGrp="1" noChangeAspect="1"/>
+          </p:cNvPicPr>
+          <p:nvPr>
+            <p:ph idx="1"/>
+          </p:nvPr>
+        </p:nvPicPr>
+        <p:blipFill>
+          <a:blip r:embed="rId3">
+            <a:extLst>
+              <a:ext uri="{28A0092B-C50C-407E-A947-70E740481C1C}">
+                <a14:useLocalDpi xmlns:a14="http://schemas.microsoft.com/office/drawing/2010/main" val="0"/>
+              </a:ext>
+            </a:extLst>
+          </a:blip>
+          <a:stretch>
+            <a:fillRect/>
+          </a:stretch>
+        </p:blipFill>
+        <p:spPr>
+          <a:xfrm>
+            <a:off x="7691728" y="208573"/>
+            <a:ext cx="4326944" cy="1270140"/>
+          </a:xfrm>
+        </p:spPr>
+      </p:pic>
     </p:spTree>
     <p:extLst>
       <p:ext uri="{BB962C8B-B14F-4D97-AF65-F5344CB8AC3E}">
@@ -5526,6 +5715,42 @@
           </a:p>
         </p:txBody>
       </p:sp>
+      <p:pic>
+        <p:nvPicPr>
+          <p:cNvPr id="4" name="Content Placeholder 5" descr="Text&#10;&#10;Description automatically generated with low confidence">
+            <a:extLst>
+              <a:ext uri="{FF2B5EF4-FFF2-40B4-BE49-F238E27FC236}">
+                <a16:creationId xmlns:a16="http://schemas.microsoft.com/office/drawing/2014/main" id="{B3B722E8-F7A5-436A-B8B8-099A92A1DC04}"/>
+              </a:ext>
+            </a:extLst>
+          </p:cNvPr>
+          <p:cNvPicPr>
+            <a:picLocks noChangeAspect="1"/>
+          </p:cNvPicPr>
+          <p:nvPr/>
+        </p:nvPicPr>
+        <p:blipFill>
+          <a:blip r:embed="rId2">
+            <a:extLst>
+              <a:ext uri="{28A0092B-C50C-407E-A947-70E740481C1C}">
+                <a14:useLocalDpi xmlns:a14="http://schemas.microsoft.com/office/drawing/2010/main" val="0"/>
+              </a:ext>
+            </a:extLst>
+          </a:blip>
+          <a:stretch>
+            <a:fillRect/>
+          </a:stretch>
+        </p:blipFill>
+        <p:spPr>
+          <a:xfrm>
+            <a:off x="7691728" y="208573"/>
+            <a:ext cx="4326944" cy="1270140"/>
+          </a:xfrm>
+          <a:prstGeom prst="rect">
+            <a:avLst/>
+          </a:prstGeom>
+        </p:spPr>
+      </p:pic>
     </p:spTree>
     <p:extLst>
       <p:ext uri="{BB962C8B-B14F-4D97-AF65-F5344CB8AC3E}">
@@ -5610,6 +5835,42 @@
           </a:p>
         </p:txBody>
       </p:sp>
+      <p:pic>
+        <p:nvPicPr>
+          <p:cNvPr id="4" name="Content Placeholder 5" descr="Text&#10;&#10;Description automatically generated with low confidence">
+            <a:extLst>
+              <a:ext uri="{FF2B5EF4-FFF2-40B4-BE49-F238E27FC236}">
+                <a16:creationId xmlns:a16="http://schemas.microsoft.com/office/drawing/2014/main" id="{783E12D4-2C42-4437-B4ED-2011B71749EF}"/>
+              </a:ext>
+            </a:extLst>
+          </p:cNvPr>
+          <p:cNvPicPr>
+            <a:picLocks noChangeAspect="1"/>
+          </p:cNvPicPr>
+          <p:nvPr/>
+        </p:nvPicPr>
+        <p:blipFill>
+          <a:blip r:embed="rId2">
+            <a:extLst>
+              <a:ext uri="{28A0092B-C50C-407E-A947-70E740481C1C}">
+                <a14:useLocalDpi xmlns:a14="http://schemas.microsoft.com/office/drawing/2010/main" val="0"/>
+              </a:ext>
+            </a:extLst>
+          </a:blip>
+          <a:stretch>
+            <a:fillRect/>
+          </a:stretch>
+        </p:blipFill>
+        <p:spPr>
+          <a:xfrm>
+            <a:off x="7691728" y="208573"/>
+            <a:ext cx="4326944" cy="1270140"/>
+          </a:xfrm>
+          <a:prstGeom prst="rect">
+            <a:avLst/>
+          </a:prstGeom>
+        </p:spPr>
+      </p:pic>
     </p:spTree>
     <p:extLst>
       <p:ext uri="{BB962C8B-B14F-4D97-AF65-F5344CB8AC3E}">
@@ -5702,6 +5963,42 @@
           </a:p>
         </p:txBody>
       </p:sp>
+      <p:pic>
+        <p:nvPicPr>
+          <p:cNvPr id="4" name="Content Placeholder 5" descr="Text&#10;&#10;Description automatically generated with low confidence">
+            <a:extLst>
+              <a:ext uri="{FF2B5EF4-FFF2-40B4-BE49-F238E27FC236}">
+                <a16:creationId xmlns:a16="http://schemas.microsoft.com/office/drawing/2014/main" id="{D0CB726E-2FE3-4E8D-9A74-C491A6A7C7E8}"/>
+              </a:ext>
+            </a:extLst>
+          </p:cNvPr>
+          <p:cNvPicPr>
+            <a:picLocks noChangeAspect="1"/>
+          </p:cNvPicPr>
+          <p:nvPr/>
+        </p:nvPicPr>
+        <p:blipFill>
+          <a:blip r:embed="rId2">
+            <a:extLst>
+              <a:ext uri="{28A0092B-C50C-407E-A947-70E740481C1C}">
+                <a14:useLocalDpi xmlns:a14="http://schemas.microsoft.com/office/drawing/2010/main" val="0"/>
+              </a:ext>
+            </a:extLst>
+          </a:blip>
+          <a:stretch>
+            <a:fillRect/>
+          </a:stretch>
+        </p:blipFill>
+        <p:spPr>
+          <a:xfrm>
+            <a:off x="7691728" y="208573"/>
+            <a:ext cx="4326944" cy="1270140"/>
+          </a:xfrm>
+          <a:prstGeom prst="rect">
+            <a:avLst/>
+          </a:prstGeom>
+        </p:spPr>
+      </p:pic>
     </p:spTree>
     <p:extLst>
       <p:ext uri="{BB962C8B-B14F-4D97-AF65-F5344CB8AC3E}">
